--- a/test.pptx
+++ b/test.pptx
@@ -7,6 +7,7 @@
   <p:sldIdLst>
     <p:sldId id="256" r:id="rId2"/>
     <p:sldId id="257" r:id="rId3"/>
+    <p:sldId id="258" r:id="rId4"/>
   </p:sldIdLst>
   <p:sldSz cx="9144000" cy="6858000" type="screen4x3"/>
   <p:notesSz cx="6858000" cy="9144000"/>
@@ -303,7 +304,7 @@
           <a:p>
             <a:fld id="{5BCAD085-E8A6-8845-BD4E-CB4CCA059FC4}" type="datetimeFigureOut">
               <a:rPr lang="en-US" smtClean="0"/>
-              <a:t>9/23/2022</a:t>
+              <a:t>9/26/2022</a:t>
             </a:fld>
             <a:endParaRPr lang="en-US"/>
           </a:p>
@@ -345,7 +346,7 @@
           <a:p>
             <a:fld id="{C1FF6DA9-008F-8B48-92A6-B652298478BF}" type="slidenum">
               <a:rPr lang="en-US" smtClean="0"/>
-              <a:t>‹N°›</a:t>
+              <a:t>‹#›</a:t>
             </a:fld>
             <a:endParaRPr lang="en-US"/>
           </a:p>
@@ -471,7 +472,7 @@
           <a:p>
             <a:fld id="{5BCAD085-E8A6-8845-BD4E-CB4CCA059FC4}" type="datetimeFigureOut">
               <a:rPr lang="en-US" smtClean="0"/>
-              <a:t>9/23/2022</a:t>
+              <a:t>9/26/2022</a:t>
             </a:fld>
             <a:endParaRPr lang="en-US"/>
           </a:p>
@@ -513,7 +514,7 @@
           <a:p>
             <a:fld id="{C1FF6DA9-008F-8B48-92A6-B652298478BF}" type="slidenum">
               <a:rPr lang="en-US" smtClean="0"/>
-              <a:t>‹N°›</a:t>
+              <a:t>‹#›</a:t>
             </a:fld>
             <a:endParaRPr lang="en-US"/>
           </a:p>
@@ -649,7 +650,7 @@
           <a:p>
             <a:fld id="{5BCAD085-E8A6-8845-BD4E-CB4CCA059FC4}" type="datetimeFigureOut">
               <a:rPr lang="en-US" smtClean="0"/>
-              <a:t>9/23/2022</a:t>
+              <a:t>9/26/2022</a:t>
             </a:fld>
             <a:endParaRPr lang="en-US"/>
           </a:p>
@@ -691,7 +692,7 @@
           <a:p>
             <a:fld id="{C1FF6DA9-008F-8B48-92A6-B652298478BF}" type="slidenum">
               <a:rPr lang="en-US" smtClean="0"/>
-              <a:t>‹N°›</a:t>
+              <a:t>‹#›</a:t>
             </a:fld>
             <a:endParaRPr lang="en-US"/>
           </a:p>
@@ -817,7 +818,7 @@
           <a:p>
             <a:fld id="{5BCAD085-E8A6-8845-BD4E-CB4CCA059FC4}" type="datetimeFigureOut">
               <a:rPr lang="en-US" smtClean="0"/>
-              <a:t>9/23/2022</a:t>
+              <a:t>9/26/2022</a:t>
             </a:fld>
             <a:endParaRPr lang="en-US"/>
           </a:p>
@@ -859,7 +860,7 @@
           <a:p>
             <a:fld id="{C1FF6DA9-008F-8B48-92A6-B652298478BF}" type="slidenum">
               <a:rPr lang="en-US" smtClean="0"/>
-              <a:t>‹N°›</a:t>
+              <a:t>‹#›</a:t>
             </a:fld>
             <a:endParaRPr lang="en-US"/>
           </a:p>
@@ -1062,7 +1063,7 @@
           <a:p>
             <a:fld id="{5BCAD085-E8A6-8845-BD4E-CB4CCA059FC4}" type="datetimeFigureOut">
               <a:rPr lang="en-US" smtClean="0"/>
-              <a:t>9/23/2022</a:t>
+              <a:t>9/26/2022</a:t>
             </a:fld>
             <a:endParaRPr lang="en-US"/>
           </a:p>
@@ -1104,7 +1105,7 @@
           <a:p>
             <a:fld id="{C1FF6DA9-008F-8B48-92A6-B652298478BF}" type="slidenum">
               <a:rPr lang="en-US" smtClean="0"/>
-              <a:t>‹N°›</a:t>
+              <a:t>‹#›</a:t>
             </a:fld>
             <a:endParaRPr lang="en-US"/>
           </a:p>
@@ -1347,7 +1348,7 @@
           <a:p>
             <a:fld id="{5BCAD085-E8A6-8845-BD4E-CB4CCA059FC4}" type="datetimeFigureOut">
               <a:rPr lang="en-US" smtClean="0"/>
-              <a:t>9/23/2022</a:t>
+              <a:t>9/26/2022</a:t>
             </a:fld>
             <a:endParaRPr lang="en-US"/>
           </a:p>
@@ -1389,7 +1390,7 @@
           <a:p>
             <a:fld id="{C1FF6DA9-008F-8B48-92A6-B652298478BF}" type="slidenum">
               <a:rPr lang="en-US" smtClean="0"/>
-              <a:t>‹N°›</a:t>
+              <a:t>‹#›</a:t>
             </a:fld>
             <a:endParaRPr lang="en-US"/>
           </a:p>
@@ -1766,7 +1767,7 @@
           <a:p>
             <a:fld id="{5BCAD085-E8A6-8845-BD4E-CB4CCA059FC4}" type="datetimeFigureOut">
               <a:rPr lang="en-US" smtClean="0"/>
-              <a:t>9/23/2022</a:t>
+              <a:t>9/26/2022</a:t>
             </a:fld>
             <a:endParaRPr lang="en-US"/>
           </a:p>
@@ -1808,7 +1809,7 @@
           <a:p>
             <a:fld id="{C1FF6DA9-008F-8B48-92A6-B652298478BF}" type="slidenum">
               <a:rPr lang="en-US" smtClean="0"/>
-              <a:t>‹N°›</a:t>
+              <a:t>‹#›</a:t>
             </a:fld>
             <a:endParaRPr lang="en-US"/>
           </a:p>
@@ -1883,7 +1884,7 @@
           <a:p>
             <a:fld id="{5BCAD085-E8A6-8845-BD4E-CB4CCA059FC4}" type="datetimeFigureOut">
               <a:rPr lang="en-US" smtClean="0"/>
-              <a:t>9/23/2022</a:t>
+              <a:t>9/26/2022</a:t>
             </a:fld>
             <a:endParaRPr lang="en-US"/>
           </a:p>
@@ -1925,7 +1926,7 @@
           <a:p>
             <a:fld id="{C1FF6DA9-008F-8B48-92A6-B652298478BF}" type="slidenum">
               <a:rPr lang="en-US" smtClean="0"/>
-              <a:t>‹N°›</a:t>
+              <a:t>‹#›</a:t>
             </a:fld>
             <a:endParaRPr lang="en-US"/>
           </a:p>
@@ -1978,7 +1979,7 @@
           <a:p>
             <a:fld id="{5BCAD085-E8A6-8845-BD4E-CB4CCA059FC4}" type="datetimeFigureOut">
               <a:rPr lang="en-US" smtClean="0"/>
-              <a:t>9/23/2022</a:t>
+              <a:t>9/26/2022</a:t>
             </a:fld>
             <a:endParaRPr lang="en-US"/>
           </a:p>
@@ -2020,7 +2021,7 @@
           <a:p>
             <a:fld id="{C1FF6DA9-008F-8B48-92A6-B652298478BF}" type="slidenum">
               <a:rPr lang="en-US" smtClean="0"/>
-              <a:t>‹N°›</a:t>
+              <a:t>‹#›</a:t>
             </a:fld>
             <a:endParaRPr lang="en-US"/>
           </a:p>
@@ -2253,7 +2254,7 @@
           <a:p>
             <a:fld id="{5BCAD085-E8A6-8845-BD4E-CB4CCA059FC4}" type="datetimeFigureOut">
               <a:rPr lang="en-US" smtClean="0"/>
-              <a:t>9/23/2022</a:t>
+              <a:t>9/26/2022</a:t>
             </a:fld>
             <a:endParaRPr lang="en-US"/>
           </a:p>
@@ -2295,7 +2296,7 @@
           <a:p>
             <a:fld id="{C1FF6DA9-008F-8B48-92A6-B652298478BF}" type="slidenum">
               <a:rPr lang="en-US" smtClean="0"/>
-              <a:t>‹N°›</a:t>
+              <a:t>‹#›</a:t>
             </a:fld>
             <a:endParaRPr lang="en-US"/>
           </a:p>
@@ -2505,7 +2506,7 @@
           <a:p>
             <a:fld id="{5BCAD085-E8A6-8845-BD4E-CB4CCA059FC4}" type="datetimeFigureOut">
               <a:rPr lang="en-US" smtClean="0"/>
-              <a:t>9/23/2022</a:t>
+              <a:t>9/26/2022</a:t>
             </a:fld>
             <a:endParaRPr lang="en-US"/>
           </a:p>
@@ -2547,7 +2548,7 @@
           <a:p>
             <a:fld id="{C1FF6DA9-008F-8B48-92A6-B652298478BF}" type="slidenum">
               <a:rPr lang="en-US" smtClean="0"/>
-              <a:t>‹N°›</a:t>
+              <a:t>‹#›</a:t>
             </a:fld>
             <a:endParaRPr lang="en-US"/>
           </a:p>
@@ -2716,7 +2717,7 @@
           <a:p>
             <a:fld id="{5BCAD085-E8A6-8845-BD4E-CB4CCA059FC4}" type="datetimeFigureOut">
               <a:rPr lang="en-US" smtClean="0"/>
-              <a:t>9/23/2022</a:t>
+              <a:t>9/26/2022</a:t>
             </a:fld>
             <a:endParaRPr lang="en-US"/>
           </a:p>
@@ -2794,7 +2795,7 @@
           <a:p>
             <a:fld id="{C1FF6DA9-008F-8B48-92A6-B652298478BF}" type="slidenum">
               <a:rPr lang="en-US" smtClean="0"/>
-              <a:t>‹N°›</a:t>
+              <a:t>‹#›</a:t>
             </a:fld>
             <a:endParaRPr lang="en-US"/>
           </a:p>
@@ -3205,18 +3206,7 @@
           <a:bodyPr/>
           <a:lstStyle/>
           <a:p>
-            <a:r>
-              <a:rPr lang="fr-FR" dirty="0"/>
-              <a:t>{{</a:t>
-            </a:r>
-            <a:r>
-              <a:rPr lang="fr-FR" dirty="0" err="1"/>
-              <a:t>title</a:t>
-            </a:r>
-            <a:r>
-              <a:rPr lang="fr-FR" dirty="0"/>
-              <a:t>}}</a:t>
-            </a:r>
+            <a:endParaRPr lang="fr-FR" dirty="0"/>
           </a:p>
         </p:txBody>
       </p:sp>
@@ -3241,10 +3231,7 @@
           <a:bodyPr/>
           <a:lstStyle/>
           <a:p>
-            <a:r>
-              <a:rPr lang="fr-FR" dirty="0"/>
-              <a:t>Title_h2</a:t>
-            </a:r>
+            <a:endParaRPr lang="fr-FR" dirty="0"/>
           </a:p>
         </p:txBody>
       </p:sp>
@@ -3270,8 +3257,7 @@
           <a:lstStyle/>
           <a:p>
             <a:r>
-              <a:rPr dirty="0"/>
-              <a:t>Text from web app</a:t>
+              <a:t>Hola</a:t>
             </a:r>
           </a:p>
         </p:txBody>
@@ -3330,6 +3316,89 @@
     <p:extLst>
       <p:ext uri="{BB962C8B-B14F-4D97-AF65-F5344CB8AC3E}">
         <p14:creationId xmlns:p14="http://schemas.microsoft.com/office/powerpoint/2010/main" val="71554840"/>
+      </p:ext>
+    </p:extLst>
+  </p:cSld>
+  <p:clrMapOvr>
+    <a:masterClrMapping/>
+  </p:clrMapOvr>
+</p:sld>
+</file>
+
+<file path=ppt/slides/slide3.xml><?xml version="1.0" encoding="utf-8"?>
+<p:sld xmlns:a="http://schemas.openxmlformats.org/drawingml/2006/main" xmlns:r="http://schemas.openxmlformats.org/officeDocument/2006/relationships" xmlns:p="http://schemas.openxmlformats.org/presentationml/2006/main">
+  <p:cSld>
+    <p:spTree>
+      <p:nvGrpSpPr>
+        <p:cNvPr id="1" name=""/>
+        <p:cNvGrpSpPr/>
+        <p:nvPr/>
+      </p:nvGrpSpPr>
+      <p:grpSpPr>
+        <a:xfrm>
+          <a:off x="0" y="0"/>
+          <a:ext cx="0" cy="0"/>
+          <a:chOff x="0" y="0"/>
+          <a:chExt cx="0" cy="0"/>
+        </a:xfrm>
+      </p:grpSpPr>
+      <p:sp>
+        <p:nvSpPr>
+          <p:cNvPr id="2" name="Title 1">
+            <a:extLst>
+              <a:ext uri="{FF2B5EF4-FFF2-40B4-BE49-F238E27FC236}">
+                <a16:creationId xmlns:a16="http://schemas.microsoft.com/office/drawing/2014/main" id="{04CC0DFF-6951-F940-B828-D20961754566}"/>
+              </a:ext>
+            </a:extLst>
+          </p:cNvPr>
+          <p:cNvSpPr>
+            <a:spLocks noGrp="1"/>
+          </p:cNvSpPr>
+          <p:nvPr>
+            <p:ph type="ctrTitle"/>
+          </p:nvPr>
+        </p:nvSpPr>
+        <p:spPr/>
+        <p:txBody>
+          <a:bodyPr/>
+          <a:lstStyle/>
+          <a:p>
+            <a:r>
+              <a:rPr lang="en-GB" dirty="0"/>
+              <a:t>{{title}}</a:t>
+            </a:r>
+          </a:p>
+        </p:txBody>
+      </p:sp>
+      <p:sp>
+        <p:nvSpPr>
+          <p:cNvPr id="3" name="Subtitle 2">
+            <a:extLst>
+              <a:ext uri="{FF2B5EF4-FFF2-40B4-BE49-F238E27FC236}">
+                <a16:creationId xmlns:a16="http://schemas.microsoft.com/office/drawing/2014/main" id="{6D8E7270-2E24-A45D-50F6-BDA6BFC20F5B}"/>
+              </a:ext>
+            </a:extLst>
+          </p:cNvPr>
+          <p:cNvSpPr>
+            <a:spLocks noGrp="1"/>
+          </p:cNvSpPr>
+          <p:nvPr>
+            <p:ph type="subTitle" idx="1"/>
+          </p:nvPr>
+        </p:nvSpPr>
+        <p:spPr/>
+        <p:txBody>
+          <a:bodyPr/>
+          <a:lstStyle/>
+          <a:p>
+            <a:endParaRPr lang="en-GB" dirty="0"/>
+          </a:p>
+        </p:txBody>
+      </p:sp>
+    </p:spTree>
+    <p:extLst>
+      <p:ext uri="{BB962C8B-B14F-4D97-AF65-F5344CB8AC3E}">
+        <p14:creationId xmlns:p14="http://schemas.microsoft.com/office/powerpoint/2010/main" val="3236850069"/>
       </p:ext>
     </p:extLst>
   </p:cSld>
